--- a/00 teoría/Javascript.pptx
+++ b/00 teoría/Javascript.pptx
@@ -2211,7 +2211,7 @@
           </a:ln>
           <a:extLst>
             <a:ext uri="{C572A759-6A51-4108-AA02-DFA0A04FC94B}">
-              <ma14:wrappingTextBoxFlag xmlns:ma14="http://schemas.microsoft.com/office/mac/drawingml/2011/main" xmlns:a14="http://schemas.microsoft.com/office/drawing/2010/main" xmlns:m="http://schemas.openxmlformats.org/officeDocument/2006/math" xmlns="" val="1"/>
+              <ma14:wrappingTextBoxFlag xmlns="" xmlns:m="http://schemas.openxmlformats.org/officeDocument/2006/math" xmlns:a14="http://schemas.microsoft.com/office/drawing/2010/main" xmlns:ma14="http://schemas.microsoft.com/office/mac/drawingml/2011/main" val="1"/>
             </a:ext>
           </a:extLst>
         </p:spPr>
@@ -2250,7 +2250,7 @@
           </a:ln>
           <a:extLst>
             <a:ext uri="{C572A759-6A51-4108-AA02-DFA0A04FC94B}">
-              <ma14:wrappingTextBoxFlag xmlns:ma14="http://schemas.microsoft.com/office/mac/drawingml/2011/main" xmlns:a14="http://schemas.microsoft.com/office/drawing/2010/main" xmlns:m="http://schemas.openxmlformats.org/officeDocument/2006/math" xmlns="" val="1"/>
+              <ma14:wrappingTextBoxFlag xmlns="" xmlns:m="http://schemas.openxmlformats.org/officeDocument/2006/math" xmlns:a14="http://schemas.microsoft.com/office/drawing/2010/main" xmlns:ma14="http://schemas.microsoft.com/office/mac/drawingml/2011/main" val="1"/>
             </a:ext>
           </a:extLst>
         </p:spPr>
@@ -3340,7 +3340,7 @@
             <a:effectLst/>
             <a:extLst>
               <a:ext uri="{C572A759-6A51-4108-AA02-DFA0A04FC94B}">
-                <ma14:wrappingTextBoxFlag xmlns:ma14="http://schemas.microsoft.com/office/mac/drawingml/2011/main" xmlns:a14="http://schemas.microsoft.com/office/drawing/2010/main" xmlns:m="http://schemas.openxmlformats.org/officeDocument/2006/math" xmlns="" val="1"/>
+                <ma14:wrappingTextBoxFlag xmlns="" xmlns:m="http://schemas.openxmlformats.org/officeDocument/2006/math" xmlns:a14="http://schemas.microsoft.com/office/drawing/2010/main" xmlns:ma14="http://schemas.microsoft.com/office/mac/drawingml/2011/main" val="1"/>
               </a:ext>
             </a:extLst>
           </p:spPr>
@@ -3453,7 +3453,7 @@
             <a:effectLst/>
             <a:extLst>
               <a:ext uri="{C572A759-6A51-4108-AA02-DFA0A04FC94B}">
-                <ma14:wrappingTextBoxFlag xmlns:ma14="http://schemas.microsoft.com/office/mac/drawingml/2011/main" xmlns:a14="http://schemas.microsoft.com/office/drawing/2010/main" xmlns:m="http://schemas.openxmlformats.org/officeDocument/2006/math" xmlns="" val="1"/>
+                <ma14:wrappingTextBoxFlag xmlns="" xmlns:m="http://schemas.openxmlformats.org/officeDocument/2006/math" xmlns:a14="http://schemas.microsoft.com/office/drawing/2010/main" xmlns:ma14="http://schemas.microsoft.com/office/mac/drawingml/2011/main" val="1"/>
               </a:ext>
             </a:extLst>
           </p:spPr>
@@ -3568,7 +3568,7 @@
             <a:effectLst/>
             <a:extLst>
               <a:ext uri="{C572A759-6A51-4108-AA02-DFA0A04FC94B}">
-                <ma14:wrappingTextBoxFlag xmlns:ma14="http://schemas.microsoft.com/office/mac/drawingml/2011/main" xmlns:a14="http://schemas.microsoft.com/office/drawing/2010/main" xmlns:m="http://schemas.openxmlformats.org/officeDocument/2006/math" xmlns="" val="1"/>
+                <ma14:wrappingTextBoxFlag xmlns="" xmlns:m="http://schemas.openxmlformats.org/officeDocument/2006/math" xmlns:a14="http://schemas.microsoft.com/office/drawing/2010/main" xmlns:ma14="http://schemas.microsoft.com/office/mac/drawingml/2011/main" val="1"/>
               </a:ext>
             </a:extLst>
           </p:spPr>
@@ -3679,7 +3679,7 @@
             <a:effectLst/>
             <a:extLst>
               <a:ext uri="{C572A759-6A51-4108-AA02-DFA0A04FC94B}">
-                <ma14:wrappingTextBoxFlag xmlns:ma14="http://schemas.microsoft.com/office/mac/drawingml/2011/main" xmlns:a14="http://schemas.microsoft.com/office/drawing/2010/main" xmlns:m="http://schemas.openxmlformats.org/officeDocument/2006/math" xmlns="" val="1"/>
+                <ma14:wrappingTextBoxFlag xmlns="" xmlns:m="http://schemas.openxmlformats.org/officeDocument/2006/math" xmlns:a14="http://schemas.microsoft.com/office/drawing/2010/main" xmlns:ma14="http://schemas.microsoft.com/office/mac/drawingml/2011/main" val="1"/>
               </a:ext>
             </a:extLst>
           </p:spPr>
@@ -3793,7 +3793,7 @@
             <a:effectLst/>
             <a:extLst>
               <a:ext uri="{C572A759-6A51-4108-AA02-DFA0A04FC94B}">
-                <ma14:wrappingTextBoxFlag xmlns:ma14="http://schemas.microsoft.com/office/mac/drawingml/2011/main" xmlns:a14="http://schemas.microsoft.com/office/drawing/2010/main" xmlns:m="http://schemas.openxmlformats.org/officeDocument/2006/math" xmlns="" val="1"/>
+                <ma14:wrappingTextBoxFlag xmlns="" xmlns:m="http://schemas.openxmlformats.org/officeDocument/2006/math" xmlns:a14="http://schemas.microsoft.com/office/drawing/2010/main" xmlns:ma14="http://schemas.microsoft.com/office/mac/drawingml/2011/main" val="1"/>
               </a:ext>
             </a:extLst>
           </p:spPr>
@@ -3904,7 +3904,7 @@
             <a:effectLst/>
             <a:extLst>
               <a:ext uri="{C572A759-6A51-4108-AA02-DFA0A04FC94B}">
-                <ma14:wrappingTextBoxFlag xmlns:ma14="http://schemas.microsoft.com/office/mac/drawingml/2011/main" xmlns:a14="http://schemas.microsoft.com/office/drawing/2010/main" xmlns:m="http://schemas.openxmlformats.org/officeDocument/2006/math" xmlns="" val="1"/>
+                <ma14:wrappingTextBoxFlag xmlns="" xmlns:m="http://schemas.openxmlformats.org/officeDocument/2006/math" xmlns:a14="http://schemas.microsoft.com/office/drawing/2010/main" xmlns:ma14="http://schemas.microsoft.com/office/mac/drawingml/2011/main" val="1"/>
               </a:ext>
             </a:extLst>
           </p:spPr>
@@ -3958,7 +3958,7 @@
         </p:blipFill>
         <p:spPr>
           <a:xfrm>
-            <a:off x="5730039" y="1292021"/>
+            <a:off x="5745805" y="1534810"/>
             <a:ext cx="2270597" cy="2270597"/>
           </a:xfrm>
           <a:prstGeom prst="rect">
@@ -3969,152 +3969,12 @@
           </a:ln>
         </p:spPr>
       </p:pic>
-      <p:sp>
-        <p:nvSpPr>
-          <p:cNvPr id="133" name="Rectángulo 24"/>
-          <p:cNvSpPr/>
-          <p:nvPr/>
-        </p:nvSpPr>
-        <p:spPr>
-          <a:xfrm>
-            <a:off x="7290148" y="3385780"/>
-            <a:ext cx="841949" cy="215444"/>
-          </a:xfrm>
-          <a:prstGeom prst="rect">
-            <a:avLst/>
-          </a:prstGeom>
-          <a:solidFill>
-            <a:srgbClr val="A6A6A6"/>
-          </a:solidFill>
-          <a:ln w="12700">
-            <a:miter lim="400000"/>
-          </a:ln>
-          <a:extLst>
-            <a:ext uri="{C572A759-6A51-4108-AA02-DFA0A04FC94B}">
-              <ma14:wrappingTextBoxFlag xmlns:ma14="http://schemas.microsoft.com/office/mac/drawingml/2011/main" xmlns:a14="http://schemas.microsoft.com/office/drawing/2010/main" xmlns:m="http://schemas.openxmlformats.org/officeDocument/2006/math" xmlns="" val="1"/>
-            </a:ext>
-          </a:extLst>
-        </p:spPr>
-        <p:txBody>
-          <a:bodyPr wrap="square" lIns="45719" rIns="45719">
-            <a:spAutoFit/>
-          </a:bodyPr>
-          <a:lstStyle>
-            <a:lvl1pPr algn="ctr">
-              <a:defRPr>
-                <a:solidFill>
-                  <a:srgbClr val="FFFFFF"/>
-                </a:solidFill>
-                <a:latin typeface="Open Sans"/>
-                <a:ea typeface="Open Sans"/>
-                <a:cs typeface="Open Sans"/>
-                <a:sym typeface="Open Sans"/>
-              </a:defRPr>
-            </a:lvl1pPr>
-          </a:lstStyle>
-          <a:p>
-            <a:r>
-              <a:rPr lang="es-ES" sz="800" dirty="0" err="1"/>
-              <a:t>Config</a:t>
-            </a:r>
-            <a:endParaRPr sz="800" dirty="0"/>
-          </a:p>
-        </p:txBody>
-      </p:sp>
     </p:spTree>
   </p:cSld>
   <p:clrMapOvr>
     <a:masterClrMapping/>
   </p:clrMapOvr>
   <p:transition spd="med"/>
-  <p:timing>
-    <p:tnLst>
-      <p:par>
-        <p:cTn id="1" dur="indefinite" restart="never" fill="hold" nodeType="tmRoot">
-          <p:childTnLst>
-            <p:seq concurrent="1" prevAc="none" nextAc="seek">
-              <p:cTn id="2" dur="indefinite" fill="hold" nodeType="mainSeq">
-                <p:childTnLst>
-                  <p:par>
-                    <p:cTn id="3" fill="hold">
-                      <p:stCondLst>
-                        <p:cond delay="indefinite"/>
-                        <p:cond evt="onBegin" delay="0">
-                          <p:tn val="2"/>
-                        </p:cond>
-                      </p:stCondLst>
-                      <p:childTnLst>
-                        <p:par>
-                          <p:cTn id="4" fill="hold">
-                            <p:stCondLst>
-                              <p:cond delay="0"/>
-                            </p:stCondLst>
-                            <p:childTnLst>
-                              <p:par>
-                                <p:cTn id="5" presetID="9" presetClass="entr" fill="hold" grpId="1" nodeType="afterEffect">
-                                  <p:stCondLst>
-                                    <p:cond delay="0"/>
-                                  </p:stCondLst>
-                                  <p:iterate>
-                                    <p:tmAbs val="0"/>
-                                  </p:iterate>
-                                  <p:childTnLst>
-                                    <p:set>
-                                      <p:cBhvr>
-                                        <p:cTn id="6" fill="hold"/>
-                                        <p:tgtEl>
-                                          <p:spTgt spid="133"/>
-                                        </p:tgtEl>
-                                        <p:attrNameLst>
-                                          <p:attrName>style.visibility</p:attrName>
-                                        </p:attrNameLst>
-                                      </p:cBhvr>
-                                      <p:to>
-                                        <p:strVal val="visible"/>
-                                      </p:to>
-                                    </p:set>
-                                    <p:animEffect transition="in" filter="dissolve">
-                                      <p:cBhvr>
-                                        <p:cTn id="7" dur="180"/>
-                                        <p:tgtEl>
-                                          <p:spTgt spid="133"/>
-                                        </p:tgtEl>
-                                      </p:cBhvr>
-                                    </p:animEffect>
-                                  </p:childTnLst>
-                                </p:cTn>
-                              </p:par>
-                            </p:childTnLst>
-                          </p:cTn>
-                        </p:par>
-                      </p:childTnLst>
-                    </p:cTn>
-                  </p:par>
-                </p:childTnLst>
-              </p:cTn>
-              <p:prevCondLst>
-                <p:cond evt="onPrev" delay="0">
-                  <p:tgtEl>
-                    <p:sldTgt/>
-                  </p:tgtEl>
-                </p:cond>
-              </p:prevCondLst>
-              <p:nextCondLst>
-                <p:cond evt="onNext" delay="0">
-                  <p:tgtEl>
-                    <p:sldTgt/>
-                  </p:tgtEl>
-                </p:cond>
-              </p:nextCondLst>
-            </p:seq>
-          </p:childTnLst>
-        </p:cTn>
-      </p:par>
-    </p:tnLst>
-    <p:bldLst>
-      <p:bldP spid="133" grpId="1" animBg="1" advAuto="0"/>
-    </p:bldLst>
-  </p:timing>
 </p:sld>
 </file>
 
@@ -4190,7 +4050,7 @@
           </a:ln>
           <a:extLst>
             <a:ext uri="{C572A759-6A51-4108-AA02-DFA0A04FC94B}">
-              <ma14:wrappingTextBoxFlag xmlns:ma14="http://schemas.microsoft.com/office/mac/drawingml/2011/main" xmlns:a14="http://schemas.microsoft.com/office/drawing/2010/main" xmlns:m="http://schemas.openxmlformats.org/officeDocument/2006/math" xmlns="" val="1"/>
+              <ma14:wrappingTextBoxFlag xmlns="" xmlns:m="http://schemas.openxmlformats.org/officeDocument/2006/math" xmlns:a14="http://schemas.microsoft.com/office/drawing/2010/main" xmlns:ma14="http://schemas.microsoft.com/office/mac/drawingml/2011/main" val="1"/>
             </a:ext>
           </a:extLst>
         </p:spPr>
@@ -4240,7 +4100,7 @@
           </a:ln>
           <a:extLst>
             <a:ext uri="{C572A759-6A51-4108-AA02-DFA0A04FC94B}">
-              <ma14:wrappingTextBoxFlag xmlns:ma14="http://schemas.microsoft.com/office/mac/drawingml/2011/main" xmlns:a14="http://schemas.microsoft.com/office/drawing/2010/main" xmlns:m="http://schemas.openxmlformats.org/officeDocument/2006/math" xmlns="" val="1"/>
+              <ma14:wrappingTextBoxFlag xmlns="" xmlns:m="http://schemas.openxmlformats.org/officeDocument/2006/math" xmlns:a14="http://schemas.microsoft.com/office/drawing/2010/main" xmlns:ma14="http://schemas.microsoft.com/office/mac/drawingml/2011/main" val="1"/>
             </a:ext>
           </a:extLst>
         </p:spPr>
@@ -4277,9 +4137,7 @@
           <p:nvPr/>
         </p:nvPicPr>
         <p:blipFill>
-          <a:blip r:embed="rId2">
-            <a:extLst/>
-          </a:blip>
+          <a:blip r:embed="rId2"/>
           <a:srcRect l="50688" r="13872" b="52337"/>
           <a:stretch>
             <a:fillRect/>
@@ -4420,7 +4278,7 @@
           </a:ln>
           <a:extLst>
             <a:ext uri="{C572A759-6A51-4108-AA02-DFA0A04FC94B}">
-              <ma14:wrappingTextBoxFlag xmlns:ma14="http://schemas.microsoft.com/office/mac/drawingml/2011/main" xmlns:a14="http://schemas.microsoft.com/office/drawing/2010/main" xmlns:m="http://schemas.openxmlformats.org/officeDocument/2006/math" xmlns="" val="1"/>
+              <ma14:wrappingTextBoxFlag xmlns="" xmlns:m="http://schemas.openxmlformats.org/officeDocument/2006/math" xmlns:a14="http://schemas.microsoft.com/office/drawing/2010/main" xmlns:ma14="http://schemas.microsoft.com/office/mac/drawingml/2011/main" val="1"/>
             </a:ext>
           </a:extLst>
         </p:spPr>
@@ -4476,7 +4334,7 @@
           </a:ln>
           <a:extLst>
             <a:ext uri="{C572A759-6A51-4108-AA02-DFA0A04FC94B}">
-              <ma14:wrappingTextBoxFlag xmlns:ma14="http://schemas.microsoft.com/office/mac/drawingml/2011/main" xmlns:a14="http://schemas.microsoft.com/office/drawing/2010/main" xmlns:m="http://schemas.openxmlformats.org/officeDocument/2006/math" xmlns="" val="1"/>
+              <ma14:wrappingTextBoxFlag xmlns="" xmlns:m="http://schemas.openxmlformats.org/officeDocument/2006/math" xmlns:a14="http://schemas.microsoft.com/office/drawing/2010/main" xmlns:ma14="http://schemas.microsoft.com/office/mac/drawingml/2011/main" val="1"/>
             </a:ext>
           </a:extLst>
         </p:spPr>
@@ -4578,7 +4436,7 @@
           </a:ln>
           <a:extLst>
             <a:ext uri="{C572A759-6A51-4108-AA02-DFA0A04FC94B}">
-              <ma14:wrappingTextBoxFlag xmlns:ma14="http://schemas.microsoft.com/office/mac/drawingml/2011/main" xmlns:a14="http://schemas.microsoft.com/office/drawing/2010/main" xmlns:m="http://schemas.openxmlformats.org/officeDocument/2006/math" xmlns="" val="1"/>
+              <ma14:wrappingTextBoxFlag xmlns="" xmlns:m="http://schemas.openxmlformats.org/officeDocument/2006/math" xmlns:a14="http://schemas.microsoft.com/office/drawing/2010/main" xmlns:ma14="http://schemas.microsoft.com/office/mac/drawingml/2011/main" val="1"/>
             </a:ext>
           </a:extLst>
         </p:spPr>
@@ -4628,7 +4486,7 @@
           </a:ln>
           <a:extLst>
             <a:ext uri="{C572A759-6A51-4108-AA02-DFA0A04FC94B}">
-              <ma14:wrappingTextBoxFlag xmlns:ma14="http://schemas.microsoft.com/office/mac/drawingml/2011/main" xmlns:a14="http://schemas.microsoft.com/office/drawing/2010/main" xmlns:m="http://schemas.openxmlformats.org/officeDocument/2006/math" xmlns="" val="1"/>
+              <ma14:wrappingTextBoxFlag xmlns="" xmlns:m="http://schemas.openxmlformats.org/officeDocument/2006/math" xmlns:a14="http://schemas.microsoft.com/office/drawing/2010/main" xmlns:ma14="http://schemas.microsoft.com/office/mac/drawingml/2011/main" val="1"/>
             </a:ext>
           </a:extLst>
         </p:spPr>
@@ -4703,7 +4561,7 @@
           </a:ln>
           <a:extLst>
             <a:ext uri="{C572A759-6A51-4108-AA02-DFA0A04FC94B}">
-              <ma14:wrappingTextBoxFlag xmlns:ma14="http://schemas.microsoft.com/office/mac/drawingml/2011/main" xmlns:a14="http://schemas.microsoft.com/office/drawing/2010/main" xmlns:m="http://schemas.openxmlformats.org/officeDocument/2006/math" xmlns="" val="1"/>
+              <ma14:wrappingTextBoxFlag xmlns="" xmlns:m="http://schemas.openxmlformats.org/officeDocument/2006/math" xmlns:a14="http://schemas.microsoft.com/office/drawing/2010/main" xmlns:ma14="http://schemas.microsoft.com/office/mac/drawingml/2011/main" val="1"/>
             </a:ext>
           </a:extLst>
         </p:spPr>
@@ -4790,7 +4648,7 @@
           </a:ln>
           <a:extLst>
             <a:ext uri="{C572A759-6A51-4108-AA02-DFA0A04FC94B}">
-              <ma14:wrappingTextBoxFlag xmlns:ma14="http://schemas.microsoft.com/office/mac/drawingml/2011/main" xmlns:a14="http://schemas.microsoft.com/office/drawing/2010/main" xmlns:m="http://schemas.openxmlformats.org/officeDocument/2006/math" xmlns="" val="1"/>
+              <ma14:wrappingTextBoxFlag xmlns="" xmlns:m="http://schemas.openxmlformats.org/officeDocument/2006/math" xmlns:a14="http://schemas.microsoft.com/office/drawing/2010/main" xmlns:ma14="http://schemas.microsoft.com/office/mac/drawingml/2011/main" val="1"/>
             </a:ext>
           </a:extLst>
         </p:spPr>
@@ -4850,7 +4708,7 @@
           </a:ln>
           <a:extLst>
             <a:ext uri="{C572A759-6A51-4108-AA02-DFA0A04FC94B}">
-              <ma14:wrappingTextBoxFlag xmlns:ma14="http://schemas.microsoft.com/office/mac/drawingml/2011/main" xmlns:a14="http://schemas.microsoft.com/office/drawing/2010/main" xmlns:m="http://schemas.openxmlformats.org/officeDocument/2006/math" xmlns="" val="1"/>
+              <ma14:wrappingTextBoxFlag xmlns="" xmlns:m="http://schemas.openxmlformats.org/officeDocument/2006/math" xmlns:a14="http://schemas.microsoft.com/office/drawing/2010/main" xmlns:ma14="http://schemas.microsoft.com/office/mac/drawingml/2011/main" val="1"/>
             </a:ext>
           </a:extLst>
         </p:spPr>
@@ -4903,7 +4761,7 @@
           </a:ln>
           <a:extLst>
             <a:ext uri="{C572A759-6A51-4108-AA02-DFA0A04FC94B}">
-              <ma14:wrappingTextBoxFlag xmlns:ma14="http://schemas.microsoft.com/office/mac/drawingml/2011/main" xmlns:a14="http://schemas.microsoft.com/office/drawing/2010/main" xmlns:m="http://schemas.openxmlformats.org/officeDocument/2006/math" xmlns="" val="1"/>
+              <ma14:wrappingTextBoxFlag xmlns="" xmlns:m="http://schemas.openxmlformats.org/officeDocument/2006/math" xmlns:a14="http://schemas.microsoft.com/office/drawing/2010/main" xmlns:ma14="http://schemas.microsoft.com/office/mac/drawingml/2011/main" val="1"/>
             </a:ext>
           </a:extLst>
         </p:spPr>
@@ -4953,7 +4811,7 @@
           </a:ln>
           <a:extLst>
             <a:ext uri="{C572A759-6A51-4108-AA02-DFA0A04FC94B}">
-              <ma14:wrappingTextBoxFlag xmlns:ma14="http://schemas.microsoft.com/office/mac/drawingml/2011/main" xmlns:a14="http://schemas.microsoft.com/office/drawing/2010/main" xmlns:m="http://schemas.openxmlformats.org/officeDocument/2006/math" xmlns="" val="1"/>
+              <ma14:wrappingTextBoxFlag xmlns="" xmlns:m="http://schemas.openxmlformats.org/officeDocument/2006/math" xmlns:a14="http://schemas.microsoft.com/office/drawing/2010/main" xmlns:ma14="http://schemas.microsoft.com/office/mac/drawingml/2011/main" val="1"/>
             </a:ext>
           </a:extLst>
         </p:spPr>
@@ -5003,7 +4861,7 @@
           </a:ln>
           <a:extLst>
             <a:ext uri="{C572A759-6A51-4108-AA02-DFA0A04FC94B}">
-              <ma14:wrappingTextBoxFlag xmlns:ma14="http://schemas.microsoft.com/office/mac/drawingml/2011/main" xmlns:a14="http://schemas.microsoft.com/office/drawing/2010/main" xmlns:m="http://schemas.openxmlformats.org/officeDocument/2006/math" xmlns="" val="1"/>
+              <ma14:wrappingTextBoxFlag xmlns="" xmlns:m="http://schemas.openxmlformats.org/officeDocument/2006/math" xmlns:a14="http://schemas.microsoft.com/office/drawing/2010/main" xmlns:ma14="http://schemas.microsoft.com/office/mac/drawingml/2011/main" val="1"/>
             </a:ext>
           </a:extLst>
         </p:spPr>
@@ -5176,7 +5034,7 @@
             <a:effectLst/>
             <a:extLst>
               <a:ext uri="{C572A759-6A51-4108-AA02-DFA0A04FC94B}">
-                <ma14:wrappingTextBoxFlag xmlns:ma14="http://schemas.microsoft.com/office/mac/drawingml/2011/main" xmlns:a14="http://schemas.microsoft.com/office/drawing/2010/main" xmlns:m="http://schemas.openxmlformats.org/officeDocument/2006/math" xmlns="" val="1"/>
+                <ma14:wrappingTextBoxFlag xmlns="" xmlns:m="http://schemas.openxmlformats.org/officeDocument/2006/math" xmlns:a14="http://schemas.microsoft.com/office/drawing/2010/main" xmlns:ma14="http://schemas.microsoft.com/office/mac/drawingml/2011/main" val="1"/>
               </a:ext>
             </a:extLst>
           </p:spPr>
@@ -5226,7 +5084,7 @@
             <a:effectLst/>
             <a:extLst>
               <a:ext uri="{C572A759-6A51-4108-AA02-DFA0A04FC94B}">
-                <ma14:wrappingTextBoxFlag xmlns:ma14="http://schemas.microsoft.com/office/mac/drawingml/2011/main" xmlns:a14="http://schemas.microsoft.com/office/drawing/2010/main" xmlns:m="http://schemas.openxmlformats.org/officeDocument/2006/math" xmlns="" val="1"/>
+                <ma14:wrappingTextBoxFlag xmlns="" xmlns:m="http://schemas.openxmlformats.org/officeDocument/2006/math" xmlns:a14="http://schemas.microsoft.com/office/drawing/2010/main" xmlns:ma14="http://schemas.microsoft.com/office/mac/drawingml/2011/main" val="1"/>
               </a:ext>
             </a:extLst>
           </p:spPr>
@@ -5329,7 +5187,7 @@
             <a:effectLst/>
             <a:extLst>
               <a:ext uri="{C572A759-6A51-4108-AA02-DFA0A04FC94B}">
-                <ma14:wrappingTextBoxFlag xmlns:ma14="http://schemas.microsoft.com/office/mac/drawingml/2011/main" xmlns:a14="http://schemas.microsoft.com/office/drawing/2010/main" xmlns:m="http://schemas.openxmlformats.org/officeDocument/2006/math" xmlns="" val="1"/>
+                <ma14:wrappingTextBoxFlag xmlns="" xmlns:m="http://schemas.openxmlformats.org/officeDocument/2006/math" xmlns:a14="http://schemas.microsoft.com/office/drawing/2010/main" xmlns:ma14="http://schemas.microsoft.com/office/mac/drawingml/2011/main" val="1"/>
               </a:ext>
             </a:extLst>
           </p:spPr>
@@ -5379,7 +5237,7 @@
             <a:effectLst/>
             <a:extLst>
               <a:ext uri="{C572A759-6A51-4108-AA02-DFA0A04FC94B}">
-                <ma14:wrappingTextBoxFlag xmlns:ma14="http://schemas.microsoft.com/office/mac/drawingml/2011/main" xmlns:a14="http://schemas.microsoft.com/office/drawing/2010/main" xmlns:m="http://schemas.openxmlformats.org/officeDocument/2006/math" xmlns="" val="1"/>
+                <ma14:wrappingTextBoxFlag xmlns="" xmlns:m="http://schemas.openxmlformats.org/officeDocument/2006/math" xmlns:a14="http://schemas.microsoft.com/office/drawing/2010/main" xmlns:ma14="http://schemas.microsoft.com/office/mac/drawingml/2011/main" val="1"/>
               </a:ext>
             </a:extLst>
           </p:spPr>
@@ -5482,7 +5340,7 @@
             <a:effectLst/>
             <a:extLst>
               <a:ext uri="{C572A759-6A51-4108-AA02-DFA0A04FC94B}">
-                <ma14:wrappingTextBoxFlag xmlns:ma14="http://schemas.microsoft.com/office/mac/drawingml/2011/main" xmlns:a14="http://schemas.microsoft.com/office/drawing/2010/main" xmlns:m="http://schemas.openxmlformats.org/officeDocument/2006/math" xmlns="" val="1"/>
+                <ma14:wrappingTextBoxFlag xmlns="" xmlns:m="http://schemas.openxmlformats.org/officeDocument/2006/math" xmlns:a14="http://schemas.microsoft.com/office/drawing/2010/main" xmlns:ma14="http://schemas.microsoft.com/office/mac/drawingml/2011/main" val="1"/>
               </a:ext>
             </a:extLst>
           </p:spPr>
@@ -5531,7 +5389,7 @@
             <a:effectLst/>
             <a:extLst>
               <a:ext uri="{C572A759-6A51-4108-AA02-DFA0A04FC94B}">
-                <ma14:wrappingTextBoxFlag xmlns:ma14="http://schemas.microsoft.com/office/mac/drawingml/2011/main" xmlns:a14="http://schemas.microsoft.com/office/drawing/2010/main" xmlns:m="http://schemas.openxmlformats.org/officeDocument/2006/math" xmlns="" val="1"/>
+                <ma14:wrappingTextBoxFlag xmlns="" xmlns:m="http://schemas.openxmlformats.org/officeDocument/2006/math" xmlns:a14="http://schemas.microsoft.com/office/drawing/2010/main" xmlns:ma14="http://schemas.microsoft.com/office/mac/drawingml/2011/main" val="1"/>
               </a:ext>
             </a:extLst>
           </p:spPr>
@@ -5659,7 +5517,7 @@
             <a:effectLst/>
             <a:extLst>
               <a:ext uri="{C572A759-6A51-4108-AA02-DFA0A04FC94B}">
-                <ma14:wrappingTextBoxFlag xmlns:ma14="http://schemas.microsoft.com/office/mac/drawingml/2011/main" xmlns:a14="http://schemas.microsoft.com/office/drawing/2010/main" xmlns:m="http://schemas.openxmlformats.org/officeDocument/2006/math" xmlns="" val="1"/>
+                <ma14:wrappingTextBoxFlag xmlns="" xmlns:m="http://schemas.openxmlformats.org/officeDocument/2006/math" xmlns:a14="http://schemas.microsoft.com/office/drawing/2010/main" xmlns:ma14="http://schemas.microsoft.com/office/mac/drawingml/2011/main" val="1"/>
               </a:ext>
             </a:extLst>
           </p:spPr>
@@ -5709,7 +5567,7 @@
             <a:effectLst/>
             <a:extLst>
               <a:ext uri="{C572A759-6A51-4108-AA02-DFA0A04FC94B}">
-                <ma14:wrappingTextBoxFlag xmlns:ma14="http://schemas.microsoft.com/office/mac/drawingml/2011/main" xmlns:a14="http://schemas.microsoft.com/office/drawing/2010/main" xmlns:m="http://schemas.openxmlformats.org/officeDocument/2006/math" xmlns="" val="1"/>
+                <ma14:wrappingTextBoxFlag xmlns="" xmlns:m="http://schemas.openxmlformats.org/officeDocument/2006/math" xmlns:a14="http://schemas.microsoft.com/office/drawing/2010/main" xmlns:ma14="http://schemas.microsoft.com/office/mac/drawingml/2011/main" val="1"/>
               </a:ext>
             </a:extLst>
           </p:spPr>
@@ -5812,7 +5670,7 @@
             <a:effectLst/>
             <a:extLst>
               <a:ext uri="{C572A759-6A51-4108-AA02-DFA0A04FC94B}">
-                <ma14:wrappingTextBoxFlag xmlns:ma14="http://schemas.microsoft.com/office/mac/drawingml/2011/main" xmlns:a14="http://schemas.microsoft.com/office/drawing/2010/main" xmlns:m="http://schemas.openxmlformats.org/officeDocument/2006/math" xmlns="" val="1"/>
+                <ma14:wrappingTextBoxFlag xmlns="" xmlns:m="http://schemas.openxmlformats.org/officeDocument/2006/math" xmlns:a14="http://schemas.microsoft.com/office/drawing/2010/main" xmlns:ma14="http://schemas.microsoft.com/office/mac/drawingml/2011/main" val="1"/>
               </a:ext>
             </a:extLst>
           </p:spPr>
@@ -5862,7 +5720,7 @@
             <a:effectLst/>
             <a:extLst>
               <a:ext uri="{C572A759-6A51-4108-AA02-DFA0A04FC94B}">
-                <ma14:wrappingTextBoxFlag xmlns:ma14="http://schemas.microsoft.com/office/mac/drawingml/2011/main" xmlns:a14="http://schemas.microsoft.com/office/drawing/2010/main" xmlns:m="http://schemas.openxmlformats.org/officeDocument/2006/math" xmlns="" val="1"/>
+                <ma14:wrappingTextBoxFlag xmlns="" xmlns:m="http://schemas.openxmlformats.org/officeDocument/2006/math" xmlns:a14="http://schemas.microsoft.com/office/drawing/2010/main" xmlns:ma14="http://schemas.microsoft.com/office/mac/drawingml/2011/main" val="1"/>
               </a:ext>
             </a:extLst>
           </p:spPr>
@@ -5966,7 +5824,7 @@
             <a:effectLst/>
             <a:extLst>
               <a:ext uri="{C572A759-6A51-4108-AA02-DFA0A04FC94B}">
-                <ma14:wrappingTextBoxFlag xmlns:ma14="http://schemas.microsoft.com/office/mac/drawingml/2011/main" xmlns:a14="http://schemas.microsoft.com/office/drawing/2010/main" xmlns:m="http://schemas.openxmlformats.org/officeDocument/2006/math" xmlns="" val="1"/>
+                <ma14:wrappingTextBoxFlag xmlns="" xmlns:m="http://schemas.openxmlformats.org/officeDocument/2006/math" xmlns:a14="http://schemas.microsoft.com/office/drawing/2010/main" xmlns:ma14="http://schemas.microsoft.com/office/mac/drawingml/2011/main" val="1"/>
               </a:ext>
             </a:extLst>
           </p:spPr>
@@ -6016,7 +5874,7 @@
             <a:effectLst/>
             <a:extLst>
               <a:ext uri="{C572A759-6A51-4108-AA02-DFA0A04FC94B}">
-                <ma14:wrappingTextBoxFlag xmlns:ma14="http://schemas.microsoft.com/office/mac/drawingml/2011/main" xmlns:a14="http://schemas.microsoft.com/office/drawing/2010/main" xmlns:m="http://schemas.openxmlformats.org/officeDocument/2006/math" xmlns="" val="1"/>
+                <ma14:wrappingTextBoxFlag xmlns="" xmlns:m="http://schemas.openxmlformats.org/officeDocument/2006/math" xmlns:a14="http://schemas.microsoft.com/office/drawing/2010/main" xmlns:ma14="http://schemas.microsoft.com/office/mac/drawingml/2011/main" val="1"/>
               </a:ext>
             </a:extLst>
           </p:spPr>
@@ -6119,7 +5977,7 @@
             <a:effectLst/>
             <a:extLst>
               <a:ext uri="{C572A759-6A51-4108-AA02-DFA0A04FC94B}">
-                <ma14:wrappingTextBoxFlag xmlns:ma14="http://schemas.microsoft.com/office/mac/drawingml/2011/main" xmlns:a14="http://schemas.microsoft.com/office/drawing/2010/main" xmlns:m="http://schemas.openxmlformats.org/officeDocument/2006/math" xmlns="" val="1"/>
+                <ma14:wrappingTextBoxFlag xmlns="" xmlns:m="http://schemas.openxmlformats.org/officeDocument/2006/math" xmlns:a14="http://schemas.microsoft.com/office/drawing/2010/main" xmlns:ma14="http://schemas.microsoft.com/office/mac/drawingml/2011/main" val="1"/>
               </a:ext>
             </a:extLst>
           </p:spPr>
@@ -6169,7 +6027,7 @@
             <a:effectLst/>
             <a:extLst>
               <a:ext uri="{C572A759-6A51-4108-AA02-DFA0A04FC94B}">
-                <ma14:wrappingTextBoxFlag xmlns:ma14="http://schemas.microsoft.com/office/mac/drawingml/2011/main" xmlns:a14="http://schemas.microsoft.com/office/drawing/2010/main" xmlns:m="http://schemas.openxmlformats.org/officeDocument/2006/math" xmlns="" val="1"/>
+                <ma14:wrappingTextBoxFlag xmlns="" xmlns:m="http://schemas.openxmlformats.org/officeDocument/2006/math" xmlns:a14="http://schemas.microsoft.com/office/drawing/2010/main" xmlns:ma14="http://schemas.microsoft.com/office/mac/drawingml/2011/main" val="1"/>
               </a:ext>
             </a:extLst>
           </p:spPr>
@@ -6272,7 +6130,7 @@
             <a:effectLst/>
             <a:extLst>
               <a:ext uri="{C572A759-6A51-4108-AA02-DFA0A04FC94B}">
-                <ma14:wrappingTextBoxFlag xmlns:ma14="http://schemas.microsoft.com/office/mac/drawingml/2011/main" xmlns:a14="http://schemas.microsoft.com/office/drawing/2010/main" xmlns:m="http://schemas.openxmlformats.org/officeDocument/2006/math" xmlns="" val="1"/>
+                <ma14:wrappingTextBoxFlag xmlns="" xmlns:m="http://schemas.openxmlformats.org/officeDocument/2006/math" xmlns:a14="http://schemas.microsoft.com/office/drawing/2010/main" xmlns:ma14="http://schemas.microsoft.com/office/mac/drawingml/2011/main" val="1"/>
               </a:ext>
             </a:extLst>
           </p:spPr>
@@ -6322,7 +6180,7 @@
             <a:effectLst/>
             <a:extLst>
               <a:ext uri="{C572A759-6A51-4108-AA02-DFA0A04FC94B}">
-                <ma14:wrappingTextBoxFlag xmlns:ma14="http://schemas.microsoft.com/office/mac/drawingml/2011/main" xmlns:a14="http://schemas.microsoft.com/office/drawing/2010/main" xmlns:m="http://schemas.openxmlformats.org/officeDocument/2006/math" xmlns="" val="1"/>
+                <ma14:wrappingTextBoxFlag xmlns="" xmlns:m="http://schemas.openxmlformats.org/officeDocument/2006/math" xmlns:a14="http://schemas.microsoft.com/office/drawing/2010/main" xmlns:ma14="http://schemas.microsoft.com/office/mac/drawingml/2011/main" val="1"/>
               </a:ext>
             </a:extLst>
           </p:spPr>
@@ -6425,7 +6283,7 @@
             <a:effectLst/>
             <a:extLst>
               <a:ext uri="{C572A759-6A51-4108-AA02-DFA0A04FC94B}">
-                <ma14:wrappingTextBoxFlag xmlns:ma14="http://schemas.microsoft.com/office/mac/drawingml/2011/main" xmlns:a14="http://schemas.microsoft.com/office/drawing/2010/main" xmlns:m="http://schemas.openxmlformats.org/officeDocument/2006/math" xmlns="" val="1"/>
+                <ma14:wrappingTextBoxFlag xmlns="" xmlns:m="http://schemas.openxmlformats.org/officeDocument/2006/math" xmlns:a14="http://schemas.microsoft.com/office/drawing/2010/main" xmlns:ma14="http://schemas.microsoft.com/office/mac/drawingml/2011/main" val="1"/>
               </a:ext>
             </a:extLst>
           </p:spPr>
@@ -6474,7 +6332,7 @@
             <a:effectLst/>
             <a:extLst>
               <a:ext uri="{C572A759-6A51-4108-AA02-DFA0A04FC94B}">
-                <ma14:wrappingTextBoxFlag xmlns:ma14="http://schemas.microsoft.com/office/mac/drawingml/2011/main" xmlns:a14="http://schemas.microsoft.com/office/drawing/2010/main" xmlns:m="http://schemas.openxmlformats.org/officeDocument/2006/math" xmlns="" val="1"/>
+                <ma14:wrappingTextBoxFlag xmlns="" xmlns:m="http://schemas.openxmlformats.org/officeDocument/2006/math" xmlns:a14="http://schemas.microsoft.com/office/drawing/2010/main" xmlns:ma14="http://schemas.microsoft.com/office/mac/drawingml/2011/main" val="1"/>
               </a:ext>
             </a:extLst>
           </p:spPr>
@@ -6735,7 +6593,7 @@
             <a:effectLst/>
             <a:extLst>
               <a:ext uri="{C572A759-6A51-4108-AA02-DFA0A04FC94B}">
-                <ma14:wrappingTextBoxFlag xmlns:ma14="http://schemas.microsoft.com/office/mac/drawingml/2011/main" xmlns:a14="http://schemas.microsoft.com/office/drawing/2010/main" xmlns:m="http://schemas.openxmlformats.org/officeDocument/2006/math" xmlns="" val="1"/>
+                <ma14:wrappingTextBoxFlag xmlns="" xmlns:m="http://schemas.openxmlformats.org/officeDocument/2006/math" xmlns:a14="http://schemas.microsoft.com/office/drawing/2010/main" xmlns:ma14="http://schemas.microsoft.com/office/mac/drawingml/2011/main" val="1"/>
               </a:ext>
             </a:extLst>
           </p:spPr>
@@ -6878,7 +6736,7 @@
             <a:effectLst/>
             <a:extLst>
               <a:ext uri="{C572A759-6A51-4108-AA02-DFA0A04FC94B}">
-                <ma14:wrappingTextBoxFlag xmlns:ma14="http://schemas.microsoft.com/office/mac/drawingml/2011/main" xmlns:a14="http://schemas.microsoft.com/office/drawing/2010/main" xmlns:m="http://schemas.openxmlformats.org/officeDocument/2006/math" xmlns="" val="1"/>
+                <ma14:wrappingTextBoxFlag xmlns="" xmlns:m="http://schemas.openxmlformats.org/officeDocument/2006/math" xmlns:a14="http://schemas.microsoft.com/office/drawing/2010/main" xmlns:ma14="http://schemas.microsoft.com/office/mac/drawingml/2011/main" val="1"/>
               </a:ext>
             </a:extLst>
           </p:spPr>
@@ -7006,7 +6864,7 @@
               <a:effectLst/>
               <a:extLst>
                 <a:ext uri="{C572A759-6A51-4108-AA02-DFA0A04FC94B}">
-                  <ma14:wrappingTextBoxFlag xmlns:ma14="http://schemas.microsoft.com/office/mac/drawingml/2011/main" xmlns:a14="http://schemas.microsoft.com/office/drawing/2010/main" xmlns:m="http://schemas.openxmlformats.org/officeDocument/2006/math" xmlns="" val="1"/>
+                  <ma14:wrappingTextBoxFlag xmlns="" xmlns:m="http://schemas.openxmlformats.org/officeDocument/2006/math" xmlns:a14="http://schemas.microsoft.com/office/drawing/2010/main" xmlns:ma14="http://schemas.microsoft.com/office/mac/drawingml/2011/main" val="1"/>
                 </a:ext>
               </a:extLst>
             </p:spPr>
@@ -7118,7 +6976,7 @@
               <a:effectLst/>
               <a:extLst>
                 <a:ext uri="{C572A759-6A51-4108-AA02-DFA0A04FC94B}">
-                  <ma14:wrappingTextBoxFlag xmlns:ma14="http://schemas.microsoft.com/office/mac/drawingml/2011/main" xmlns:a14="http://schemas.microsoft.com/office/drawing/2010/main" xmlns:m="http://schemas.openxmlformats.org/officeDocument/2006/math" xmlns="" val="1"/>
+                  <ma14:wrappingTextBoxFlag xmlns="" xmlns:m="http://schemas.openxmlformats.org/officeDocument/2006/math" xmlns:a14="http://schemas.microsoft.com/office/drawing/2010/main" xmlns:ma14="http://schemas.microsoft.com/office/mac/drawingml/2011/main" val="1"/>
                 </a:ext>
               </a:extLst>
             </p:spPr>
@@ -7170,7 +7028,7 @@
             <a:effectLst/>
             <a:extLst>
               <a:ext uri="{C572A759-6A51-4108-AA02-DFA0A04FC94B}">
-                <ma14:wrappingTextBoxFlag xmlns:ma14="http://schemas.microsoft.com/office/mac/drawingml/2011/main" xmlns:a14="http://schemas.microsoft.com/office/drawing/2010/main" xmlns:m="http://schemas.openxmlformats.org/officeDocument/2006/math" xmlns="" val="1"/>
+                <ma14:wrappingTextBoxFlag xmlns="" xmlns:m="http://schemas.openxmlformats.org/officeDocument/2006/math" xmlns:a14="http://schemas.microsoft.com/office/drawing/2010/main" xmlns:ma14="http://schemas.microsoft.com/office/mac/drawingml/2011/main" val="1"/>
               </a:ext>
             </a:extLst>
           </p:spPr>
@@ -7287,7 +7145,7 @@
             <a:effectLst/>
             <a:extLst>
               <a:ext uri="{C572A759-6A51-4108-AA02-DFA0A04FC94B}">
-                <ma14:wrappingTextBoxFlag xmlns:ma14="http://schemas.microsoft.com/office/mac/drawingml/2011/main" xmlns:a14="http://schemas.microsoft.com/office/drawing/2010/main" xmlns:m="http://schemas.openxmlformats.org/officeDocument/2006/math" xmlns="" val="1"/>
+                <ma14:wrappingTextBoxFlag xmlns="" xmlns:m="http://schemas.openxmlformats.org/officeDocument/2006/math" xmlns:a14="http://schemas.microsoft.com/office/drawing/2010/main" xmlns:ma14="http://schemas.microsoft.com/office/mac/drawingml/2011/main" val="1"/>
               </a:ext>
             </a:extLst>
           </p:spPr>
@@ -7346,7 +7204,7 @@
             <a:effectLst/>
             <a:extLst>
               <a:ext uri="{C572A759-6A51-4108-AA02-DFA0A04FC94B}">
-                <ma14:wrappingTextBoxFlag xmlns:ma14="http://schemas.microsoft.com/office/mac/drawingml/2011/main" xmlns:a14="http://schemas.microsoft.com/office/drawing/2010/main" xmlns:m="http://schemas.openxmlformats.org/officeDocument/2006/math" xmlns="" val="1"/>
+                <ma14:wrappingTextBoxFlag xmlns="" xmlns:m="http://schemas.openxmlformats.org/officeDocument/2006/math" xmlns:a14="http://schemas.microsoft.com/office/drawing/2010/main" xmlns:ma14="http://schemas.microsoft.com/office/mac/drawingml/2011/main" val="1"/>
               </a:ext>
             </a:extLst>
           </p:spPr>
@@ -7464,7 +7322,7 @@
             <a:effectLst/>
             <a:extLst>
               <a:ext uri="{C572A759-6A51-4108-AA02-DFA0A04FC94B}">
-                <ma14:wrappingTextBoxFlag xmlns:ma14="http://schemas.microsoft.com/office/mac/drawingml/2011/main" xmlns:a14="http://schemas.microsoft.com/office/drawing/2010/main" xmlns:m="http://schemas.openxmlformats.org/officeDocument/2006/math" xmlns="" val="1"/>
+                <ma14:wrappingTextBoxFlag xmlns="" xmlns:m="http://schemas.openxmlformats.org/officeDocument/2006/math" xmlns:a14="http://schemas.microsoft.com/office/drawing/2010/main" xmlns:ma14="http://schemas.microsoft.com/office/mac/drawingml/2011/main" val="1"/>
               </a:ext>
             </a:extLst>
           </p:spPr>
@@ -7520,7 +7378,7 @@
             <a:effectLst/>
             <a:extLst>
               <a:ext uri="{C572A759-6A51-4108-AA02-DFA0A04FC94B}">
-                <ma14:wrappingTextBoxFlag xmlns:ma14="http://schemas.microsoft.com/office/mac/drawingml/2011/main" xmlns:a14="http://schemas.microsoft.com/office/drawing/2010/main" xmlns:m="http://schemas.openxmlformats.org/officeDocument/2006/math" xmlns="" val="1"/>
+                <ma14:wrappingTextBoxFlag xmlns="" xmlns:m="http://schemas.openxmlformats.org/officeDocument/2006/math" xmlns:a14="http://schemas.microsoft.com/office/drawing/2010/main" xmlns:ma14="http://schemas.microsoft.com/office/mac/drawingml/2011/main" val="1"/>
               </a:ext>
             </a:extLst>
           </p:spPr>
@@ -7637,7 +7495,7 @@
             <a:effectLst/>
             <a:extLst>
               <a:ext uri="{C572A759-6A51-4108-AA02-DFA0A04FC94B}">
-                <ma14:wrappingTextBoxFlag xmlns:ma14="http://schemas.microsoft.com/office/mac/drawingml/2011/main" xmlns:a14="http://schemas.microsoft.com/office/drawing/2010/main" xmlns:m="http://schemas.openxmlformats.org/officeDocument/2006/math" xmlns="" val="1"/>
+                <ma14:wrappingTextBoxFlag xmlns="" xmlns:m="http://schemas.openxmlformats.org/officeDocument/2006/math" xmlns:a14="http://schemas.microsoft.com/office/drawing/2010/main" xmlns:ma14="http://schemas.microsoft.com/office/mac/drawingml/2011/main" val="1"/>
               </a:ext>
             </a:extLst>
           </p:spPr>
@@ -7688,7 +7546,7 @@
             <a:effectLst/>
             <a:extLst>
               <a:ext uri="{C572A759-6A51-4108-AA02-DFA0A04FC94B}">
-                <ma14:wrappingTextBoxFlag xmlns:ma14="http://schemas.microsoft.com/office/mac/drawingml/2011/main" xmlns:a14="http://schemas.microsoft.com/office/drawing/2010/main" xmlns:m="http://schemas.openxmlformats.org/officeDocument/2006/math" xmlns="" val="1"/>
+                <ma14:wrappingTextBoxFlag xmlns="" xmlns:m="http://schemas.openxmlformats.org/officeDocument/2006/math" xmlns:a14="http://schemas.microsoft.com/office/drawing/2010/main" xmlns:ma14="http://schemas.microsoft.com/office/mac/drawingml/2011/main" val="1"/>
               </a:ext>
             </a:extLst>
           </p:spPr>
@@ -7810,7 +7668,7 @@
             <a:effectLst/>
             <a:extLst>
               <a:ext uri="{C572A759-6A51-4108-AA02-DFA0A04FC94B}">
-                <ma14:wrappingTextBoxFlag xmlns:ma14="http://schemas.microsoft.com/office/mac/drawingml/2011/main" xmlns:a14="http://schemas.microsoft.com/office/drawing/2010/main" xmlns:m="http://schemas.openxmlformats.org/officeDocument/2006/math" xmlns="" val="1"/>
+                <ma14:wrappingTextBoxFlag xmlns="" xmlns:m="http://schemas.openxmlformats.org/officeDocument/2006/math" xmlns:a14="http://schemas.microsoft.com/office/drawing/2010/main" xmlns:ma14="http://schemas.microsoft.com/office/mac/drawingml/2011/main" val="1"/>
               </a:ext>
             </a:extLst>
           </p:spPr>
@@ -7866,7 +7724,7 @@
             <a:effectLst/>
             <a:extLst>
               <a:ext uri="{C572A759-6A51-4108-AA02-DFA0A04FC94B}">
-                <ma14:wrappingTextBoxFlag xmlns:ma14="http://schemas.microsoft.com/office/mac/drawingml/2011/main" xmlns:a14="http://schemas.microsoft.com/office/drawing/2010/main" xmlns:m="http://schemas.openxmlformats.org/officeDocument/2006/math" xmlns="" val="1"/>
+                <ma14:wrappingTextBoxFlag xmlns="" xmlns:m="http://schemas.openxmlformats.org/officeDocument/2006/math" xmlns:a14="http://schemas.microsoft.com/office/drawing/2010/main" xmlns:ma14="http://schemas.microsoft.com/office/mac/drawingml/2011/main" val="1"/>
               </a:ext>
             </a:extLst>
           </p:spPr>
@@ -7984,7 +7842,7 @@
             <a:effectLst/>
             <a:extLst>
               <a:ext uri="{C572A759-6A51-4108-AA02-DFA0A04FC94B}">
-                <ma14:wrappingTextBoxFlag xmlns:ma14="http://schemas.microsoft.com/office/mac/drawingml/2011/main" xmlns:a14="http://schemas.microsoft.com/office/drawing/2010/main" xmlns:m="http://schemas.openxmlformats.org/officeDocument/2006/math" xmlns="" val="1"/>
+                <ma14:wrappingTextBoxFlag xmlns="" xmlns:m="http://schemas.openxmlformats.org/officeDocument/2006/math" xmlns:a14="http://schemas.microsoft.com/office/drawing/2010/main" xmlns:ma14="http://schemas.microsoft.com/office/mac/drawingml/2011/main" val="1"/>
               </a:ext>
             </a:extLst>
           </p:spPr>
@@ -8107,7 +7965,7 @@
               <a:effectLst/>
               <a:extLst>
                 <a:ext uri="{C572A759-6A51-4108-AA02-DFA0A04FC94B}">
-                  <ma14:wrappingTextBoxFlag xmlns:ma14="http://schemas.microsoft.com/office/mac/drawingml/2011/main" xmlns:a14="http://schemas.microsoft.com/office/drawing/2010/main" xmlns:m="http://schemas.openxmlformats.org/officeDocument/2006/math" xmlns="" val="1"/>
+                  <ma14:wrappingTextBoxFlag xmlns="" xmlns:m="http://schemas.openxmlformats.org/officeDocument/2006/math" xmlns:a14="http://schemas.microsoft.com/office/drawing/2010/main" xmlns:ma14="http://schemas.microsoft.com/office/mac/drawingml/2011/main" val="1"/>
                 </a:ext>
               </a:extLst>
             </p:spPr>
@@ -8218,7 +8076,7 @@
               <a:effectLst/>
               <a:extLst>
                 <a:ext uri="{C572A759-6A51-4108-AA02-DFA0A04FC94B}">
-                  <ma14:wrappingTextBoxFlag xmlns:ma14="http://schemas.microsoft.com/office/mac/drawingml/2011/main" xmlns:a14="http://schemas.microsoft.com/office/drawing/2010/main" xmlns:m="http://schemas.openxmlformats.org/officeDocument/2006/math" xmlns="" val="1"/>
+                  <ma14:wrappingTextBoxFlag xmlns="" xmlns:m="http://schemas.openxmlformats.org/officeDocument/2006/math" xmlns:a14="http://schemas.microsoft.com/office/drawing/2010/main" xmlns:ma14="http://schemas.microsoft.com/office/mac/drawingml/2011/main" val="1"/>
                 </a:ext>
               </a:extLst>
             </p:spPr>
@@ -8269,7 +8127,7 @@
             <a:effectLst/>
             <a:extLst>
               <a:ext uri="{C572A759-6A51-4108-AA02-DFA0A04FC94B}">
-                <ma14:wrappingTextBoxFlag xmlns:ma14="http://schemas.microsoft.com/office/mac/drawingml/2011/main" xmlns:a14="http://schemas.microsoft.com/office/drawing/2010/main" xmlns:m="http://schemas.openxmlformats.org/officeDocument/2006/math" xmlns="" val="1"/>
+                <ma14:wrappingTextBoxFlag xmlns="" xmlns:m="http://schemas.openxmlformats.org/officeDocument/2006/math" xmlns:a14="http://schemas.microsoft.com/office/drawing/2010/main" xmlns:ma14="http://schemas.microsoft.com/office/mac/drawingml/2011/main" val="1"/>
               </a:ext>
             </a:extLst>
           </p:spPr>
@@ -8386,7 +8244,7 @@
             <a:effectLst/>
             <a:extLst>
               <a:ext uri="{C572A759-6A51-4108-AA02-DFA0A04FC94B}">
-                <ma14:wrappingTextBoxFlag xmlns:ma14="http://schemas.microsoft.com/office/mac/drawingml/2011/main" xmlns:a14="http://schemas.microsoft.com/office/drawing/2010/main" xmlns:m="http://schemas.openxmlformats.org/officeDocument/2006/math" xmlns="" val="1"/>
+                <ma14:wrappingTextBoxFlag xmlns="" xmlns:m="http://schemas.openxmlformats.org/officeDocument/2006/math" xmlns:a14="http://schemas.microsoft.com/office/drawing/2010/main" xmlns:ma14="http://schemas.microsoft.com/office/mac/drawingml/2011/main" val="1"/>
               </a:ext>
             </a:extLst>
           </p:spPr>
@@ -8497,7 +8355,7 @@
               <a:effectLst/>
               <a:extLst>
                 <a:ext uri="{C572A759-6A51-4108-AA02-DFA0A04FC94B}">
-                  <ma14:wrappingTextBoxFlag xmlns:ma14="http://schemas.microsoft.com/office/mac/drawingml/2011/main" xmlns:a14="http://schemas.microsoft.com/office/drawing/2010/main" xmlns:m="http://schemas.openxmlformats.org/officeDocument/2006/math" xmlns="" val="1"/>
+                  <ma14:wrappingTextBoxFlag xmlns="" xmlns:m="http://schemas.openxmlformats.org/officeDocument/2006/math" xmlns:a14="http://schemas.microsoft.com/office/drawing/2010/main" xmlns:ma14="http://schemas.microsoft.com/office/mac/drawingml/2011/main" val="1"/>
                 </a:ext>
               </a:extLst>
             </p:spPr>
@@ -8608,7 +8466,7 @@
               <a:effectLst/>
               <a:extLst>
                 <a:ext uri="{C572A759-6A51-4108-AA02-DFA0A04FC94B}">
-                  <ma14:wrappingTextBoxFlag xmlns:ma14="http://schemas.microsoft.com/office/mac/drawingml/2011/main" xmlns:a14="http://schemas.microsoft.com/office/drawing/2010/main" xmlns:m="http://schemas.openxmlformats.org/officeDocument/2006/math" xmlns="" val="1"/>
+                  <ma14:wrappingTextBoxFlag xmlns="" xmlns:m="http://schemas.openxmlformats.org/officeDocument/2006/math" xmlns:a14="http://schemas.microsoft.com/office/drawing/2010/main" xmlns:ma14="http://schemas.microsoft.com/office/mac/drawingml/2011/main" val="1"/>
                 </a:ext>
               </a:extLst>
             </p:spPr>
@@ -8659,7 +8517,7 @@
             <a:effectLst/>
             <a:extLst>
               <a:ext uri="{C572A759-6A51-4108-AA02-DFA0A04FC94B}">
-                <ma14:wrappingTextBoxFlag xmlns:ma14="http://schemas.microsoft.com/office/mac/drawingml/2011/main" xmlns:a14="http://schemas.microsoft.com/office/drawing/2010/main" xmlns:m="http://schemas.openxmlformats.org/officeDocument/2006/math" xmlns="" val="1"/>
+                <ma14:wrappingTextBoxFlag xmlns="" xmlns:m="http://schemas.openxmlformats.org/officeDocument/2006/math" xmlns:a14="http://schemas.microsoft.com/office/drawing/2010/main" xmlns:ma14="http://schemas.microsoft.com/office/mac/drawingml/2011/main" val="1"/>
               </a:ext>
             </a:extLst>
           </p:spPr>
@@ -8776,7 +8634,7 @@
             <a:effectLst/>
             <a:extLst>
               <a:ext uri="{C572A759-6A51-4108-AA02-DFA0A04FC94B}">
-                <ma14:wrappingTextBoxFlag xmlns:ma14="http://schemas.microsoft.com/office/mac/drawingml/2011/main" xmlns:a14="http://schemas.microsoft.com/office/drawing/2010/main" xmlns:m="http://schemas.openxmlformats.org/officeDocument/2006/math" xmlns="" val="1"/>
+                <ma14:wrappingTextBoxFlag xmlns="" xmlns:m="http://schemas.openxmlformats.org/officeDocument/2006/math" xmlns:a14="http://schemas.microsoft.com/office/drawing/2010/main" xmlns:ma14="http://schemas.microsoft.com/office/mac/drawingml/2011/main" val="1"/>
               </a:ext>
             </a:extLst>
           </p:spPr>
@@ -8900,7 +8758,7 @@
               <a:effectLst/>
               <a:extLst>
                 <a:ext uri="{C572A759-6A51-4108-AA02-DFA0A04FC94B}">
-                  <ma14:wrappingTextBoxFlag xmlns:ma14="http://schemas.microsoft.com/office/mac/drawingml/2011/main" xmlns:a14="http://schemas.microsoft.com/office/drawing/2010/main" xmlns:m="http://schemas.openxmlformats.org/officeDocument/2006/math" xmlns="" val="1"/>
+                  <ma14:wrappingTextBoxFlag xmlns="" xmlns:m="http://schemas.openxmlformats.org/officeDocument/2006/math" xmlns:a14="http://schemas.microsoft.com/office/drawing/2010/main" xmlns:ma14="http://schemas.microsoft.com/office/mac/drawingml/2011/main" val="1"/>
                 </a:ext>
               </a:extLst>
             </p:spPr>
@@ -9011,7 +8869,7 @@
               <a:effectLst/>
               <a:extLst>
                 <a:ext uri="{C572A759-6A51-4108-AA02-DFA0A04FC94B}">
-                  <ma14:wrappingTextBoxFlag xmlns:ma14="http://schemas.microsoft.com/office/mac/drawingml/2011/main" xmlns:a14="http://schemas.microsoft.com/office/drawing/2010/main" xmlns:m="http://schemas.openxmlformats.org/officeDocument/2006/math" xmlns="" val="1"/>
+                  <ma14:wrappingTextBoxFlag xmlns="" xmlns:m="http://schemas.openxmlformats.org/officeDocument/2006/math" xmlns:a14="http://schemas.microsoft.com/office/drawing/2010/main" xmlns:ma14="http://schemas.microsoft.com/office/mac/drawingml/2011/main" val="1"/>
                 </a:ext>
               </a:extLst>
             </p:spPr>
@@ -9062,7 +8920,7 @@
             <a:effectLst/>
             <a:extLst>
               <a:ext uri="{C572A759-6A51-4108-AA02-DFA0A04FC94B}">
-                <ma14:wrappingTextBoxFlag xmlns:ma14="http://schemas.microsoft.com/office/mac/drawingml/2011/main" xmlns:a14="http://schemas.microsoft.com/office/drawing/2010/main" xmlns:m="http://schemas.openxmlformats.org/officeDocument/2006/math" xmlns="" val="1"/>
+                <ma14:wrappingTextBoxFlag xmlns="" xmlns:m="http://schemas.openxmlformats.org/officeDocument/2006/math" xmlns:a14="http://schemas.microsoft.com/office/drawing/2010/main" xmlns:ma14="http://schemas.microsoft.com/office/mac/drawingml/2011/main" val="1"/>
               </a:ext>
             </a:extLst>
           </p:spPr>
@@ -9111,7 +8969,7 @@
           </a:ln>
           <a:extLst>
             <a:ext uri="{C572A759-6A51-4108-AA02-DFA0A04FC94B}">
-              <ma14:wrappingTextBoxFlag xmlns:ma14="http://schemas.microsoft.com/office/mac/drawingml/2011/main" xmlns:a14="http://schemas.microsoft.com/office/drawing/2010/main" xmlns:m="http://schemas.openxmlformats.org/officeDocument/2006/math" xmlns="" val="1"/>
+              <ma14:wrappingTextBoxFlag xmlns="" xmlns:m="http://schemas.openxmlformats.org/officeDocument/2006/math" xmlns:a14="http://schemas.microsoft.com/office/drawing/2010/main" xmlns:ma14="http://schemas.microsoft.com/office/mac/drawingml/2011/main" val="1"/>
             </a:ext>
           </a:extLst>
         </p:spPr>
@@ -9268,7 +9126,7 @@
           </a:ln>
           <a:extLst>
             <a:ext uri="{C572A759-6A51-4108-AA02-DFA0A04FC94B}">
-              <ma14:wrappingTextBoxFlag xmlns:ma14="http://schemas.microsoft.com/office/mac/drawingml/2011/main" xmlns:a14="http://schemas.microsoft.com/office/drawing/2010/main" xmlns:m="http://schemas.openxmlformats.org/officeDocument/2006/math" xmlns="" val="1"/>
+              <ma14:wrappingTextBoxFlag xmlns="" xmlns:m="http://schemas.openxmlformats.org/officeDocument/2006/math" xmlns:a14="http://schemas.microsoft.com/office/drawing/2010/main" xmlns:ma14="http://schemas.microsoft.com/office/mac/drawingml/2011/main" val="1"/>
             </a:ext>
           </a:extLst>
         </p:spPr>
@@ -9340,7 +9198,7 @@
           </a:ln>
           <a:extLst>
             <a:ext uri="{C572A759-6A51-4108-AA02-DFA0A04FC94B}">
-              <ma14:wrappingTextBoxFlag xmlns:ma14="http://schemas.microsoft.com/office/mac/drawingml/2011/main" xmlns:a14="http://schemas.microsoft.com/office/drawing/2010/main" xmlns:m="http://schemas.openxmlformats.org/officeDocument/2006/math" xmlns="" val="1"/>
+              <ma14:wrappingTextBoxFlag xmlns="" xmlns:m="http://schemas.openxmlformats.org/officeDocument/2006/math" xmlns:a14="http://schemas.microsoft.com/office/drawing/2010/main" xmlns:ma14="http://schemas.microsoft.com/office/mac/drawingml/2011/main" val="1"/>
             </a:ext>
           </a:extLst>
         </p:spPr>
@@ -9412,7 +9270,7 @@
           </a:ln>
           <a:extLst>
             <a:ext uri="{C572A759-6A51-4108-AA02-DFA0A04FC94B}">
-              <ma14:wrappingTextBoxFlag xmlns:ma14="http://schemas.microsoft.com/office/mac/drawingml/2011/main" xmlns:a14="http://schemas.microsoft.com/office/drawing/2010/main" xmlns:m="http://schemas.openxmlformats.org/officeDocument/2006/math" xmlns="" val="1"/>
+              <ma14:wrappingTextBoxFlag xmlns="" xmlns:m="http://schemas.openxmlformats.org/officeDocument/2006/math" xmlns:a14="http://schemas.microsoft.com/office/drawing/2010/main" xmlns:ma14="http://schemas.microsoft.com/office/mac/drawingml/2011/main" val="1"/>
             </a:ext>
           </a:extLst>
         </p:spPr>
@@ -9597,7 +9455,7 @@
           </a:ln>
           <a:extLst>
             <a:ext uri="{C572A759-6A51-4108-AA02-DFA0A04FC94B}">
-              <ma14:wrappingTextBoxFlag xmlns:ma14="http://schemas.microsoft.com/office/mac/drawingml/2011/main" xmlns:a14="http://schemas.microsoft.com/office/drawing/2010/main" xmlns:m="http://schemas.openxmlformats.org/officeDocument/2006/math" xmlns="" val="1"/>
+              <ma14:wrappingTextBoxFlag xmlns="" xmlns:m="http://schemas.openxmlformats.org/officeDocument/2006/math" xmlns:a14="http://schemas.microsoft.com/office/drawing/2010/main" xmlns:ma14="http://schemas.microsoft.com/office/mac/drawingml/2011/main" val="1"/>
             </a:ext>
           </a:extLst>
         </p:spPr>
@@ -9687,7 +9545,7 @@
           </a:ln>
           <a:extLst>
             <a:ext uri="{C572A759-6A51-4108-AA02-DFA0A04FC94B}">
-              <ma14:wrappingTextBoxFlag xmlns:ma14="http://schemas.microsoft.com/office/mac/drawingml/2011/main" xmlns:a14="http://schemas.microsoft.com/office/drawing/2010/main" xmlns:m="http://schemas.openxmlformats.org/officeDocument/2006/math" xmlns="" val="1"/>
+              <ma14:wrappingTextBoxFlag xmlns="" xmlns:m="http://schemas.openxmlformats.org/officeDocument/2006/math" xmlns:a14="http://schemas.microsoft.com/office/drawing/2010/main" xmlns:ma14="http://schemas.microsoft.com/office/mac/drawingml/2011/main" val="1"/>
             </a:ext>
           </a:extLst>
         </p:spPr>
@@ -9736,7 +9594,7 @@
           </a:ln>
           <a:extLst>
             <a:ext uri="{C572A759-6A51-4108-AA02-DFA0A04FC94B}">
-              <ma14:wrappingTextBoxFlag xmlns:ma14="http://schemas.microsoft.com/office/mac/drawingml/2011/main" xmlns:a14="http://schemas.microsoft.com/office/drawing/2010/main" xmlns:m="http://schemas.openxmlformats.org/officeDocument/2006/math" xmlns="" val="1"/>
+              <ma14:wrappingTextBoxFlag xmlns="" xmlns:m="http://schemas.openxmlformats.org/officeDocument/2006/math" xmlns:a14="http://schemas.microsoft.com/office/drawing/2010/main" xmlns:ma14="http://schemas.microsoft.com/office/mac/drawingml/2011/main" val="1"/>
             </a:ext>
           </a:extLst>
         </p:spPr>
@@ -9785,7 +9643,7 @@
           </a:ln>
           <a:extLst>
             <a:ext uri="{C572A759-6A51-4108-AA02-DFA0A04FC94B}">
-              <ma14:wrappingTextBoxFlag xmlns:ma14="http://schemas.microsoft.com/office/mac/drawingml/2011/main" xmlns:a14="http://schemas.microsoft.com/office/drawing/2010/main" xmlns:m="http://schemas.openxmlformats.org/officeDocument/2006/math" xmlns="" val="1"/>
+              <ma14:wrappingTextBoxFlag xmlns="" xmlns:m="http://schemas.openxmlformats.org/officeDocument/2006/math" xmlns:a14="http://schemas.microsoft.com/office/drawing/2010/main" xmlns:ma14="http://schemas.microsoft.com/office/mac/drawingml/2011/main" val="1"/>
             </a:ext>
           </a:extLst>
         </p:spPr>
@@ -9824,9 +9682,7 @@
           <p:nvPr/>
         </p:nvPicPr>
         <p:blipFill>
-          <a:blip r:embed="rId7">
-            <a:extLst/>
-          </a:blip>
+          <a:blip r:embed="rId7"/>
           <a:stretch>
             <a:fillRect/>
           </a:stretch>
@@ -9853,9 +9709,7 @@
           <p:nvPr/>
         </p:nvPicPr>
         <p:blipFill>
-          <a:blip r:embed="rId8">
-            <a:extLst/>
-          </a:blip>
+          <a:blip r:embed="rId8"/>
           <a:stretch>
             <a:fillRect/>
           </a:stretch>
@@ -9898,7 +9752,7 @@
           </a:ln>
           <a:extLst>
             <a:ext uri="{C572A759-6A51-4108-AA02-DFA0A04FC94B}">
-              <ma14:wrappingTextBoxFlag xmlns:ma14="http://schemas.microsoft.com/office/mac/drawingml/2011/main" xmlns:a14="http://schemas.microsoft.com/office/drawing/2010/main" xmlns:m="http://schemas.openxmlformats.org/officeDocument/2006/math" xmlns="" val="1"/>
+              <ma14:wrappingTextBoxFlag xmlns="" xmlns:m="http://schemas.openxmlformats.org/officeDocument/2006/math" xmlns:a14="http://schemas.microsoft.com/office/drawing/2010/main" xmlns:ma14="http://schemas.microsoft.com/office/mac/drawingml/2011/main" val="1"/>
             </a:ext>
           </a:extLst>
         </p:spPr>
@@ -10482,7 +10336,7 @@
           <a:effectLst/>
           <a:extLst>
             <a:ext uri="{C572A759-6A51-4108-AA02-DFA0A04FC94B}">
-              <ma14:wrappingTextBoxFlag xmlns:ma14="http://schemas.microsoft.com/office/mac/drawingml/2011/main" xmlns:a14="http://schemas.microsoft.com/office/drawing/2010/main" xmlns:m="http://schemas.openxmlformats.org/officeDocument/2006/math" xmlns="" val="1"/>
+              <ma14:wrappingTextBoxFlag xmlns="" xmlns:m="http://schemas.openxmlformats.org/officeDocument/2006/math" xmlns:a14="http://schemas.microsoft.com/office/drawing/2010/main" xmlns:ma14="http://schemas.microsoft.com/office/mac/drawingml/2011/main" val="1"/>
             </a:ext>
           </a:extLst>
         </p:spPr>
@@ -10531,7 +10385,7 @@
           </a:ln>
           <a:extLst>
             <a:ext uri="{C572A759-6A51-4108-AA02-DFA0A04FC94B}">
-              <ma14:wrappingTextBoxFlag xmlns:ma14="http://schemas.microsoft.com/office/mac/drawingml/2011/main" xmlns:a14="http://schemas.microsoft.com/office/drawing/2010/main" xmlns:m="http://schemas.openxmlformats.org/officeDocument/2006/math" xmlns="" val="1"/>
+              <ma14:wrappingTextBoxFlag xmlns="" xmlns:m="http://schemas.openxmlformats.org/officeDocument/2006/math" xmlns:a14="http://schemas.microsoft.com/office/drawing/2010/main" xmlns:ma14="http://schemas.microsoft.com/office/mac/drawingml/2011/main" val="1"/>
             </a:ext>
           </a:extLst>
         </p:spPr>
@@ -10583,9 +10437,7 @@
           <p:nvPr/>
         </p:nvPicPr>
         <p:blipFill>
-          <a:blip r:embed="rId3">
-            <a:extLst/>
-          </a:blip>
+          <a:blip r:embed="rId3"/>
           <a:stretch>
             <a:fillRect/>
           </a:stretch>
@@ -10633,7 +10485,7 @@
           <a:effectLst/>
           <a:extLst>
             <a:ext uri="{C572A759-6A51-4108-AA02-DFA0A04FC94B}">
-              <ma14:wrappingTextBoxFlag xmlns:ma14="http://schemas.microsoft.com/office/mac/drawingml/2011/main" xmlns:a14="http://schemas.microsoft.com/office/drawing/2010/main" xmlns:m="http://schemas.openxmlformats.org/officeDocument/2006/math" xmlns="" val="1"/>
+              <ma14:wrappingTextBoxFlag xmlns="" xmlns:m="http://schemas.openxmlformats.org/officeDocument/2006/math" xmlns:a14="http://schemas.microsoft.com/office/drawing/2010/main" xmlns:ma14="http://schemas.microsoft.com/office/mac/drawingml/2011/main" val="1"/>
             </a:ext>
           </a:extLst>
         </p:spPr>
@@ -10969,7 +10821,7 @@
           </a:ln>
           <a:extLst>
             <a:ext uri="{C572A759-6A51-4108-AA02-DFA0A04FC94B}">
-              <ma14:wrappingTextBoxFlag xmlns:ma14="http://schemas.microsoft.com/office/mac/drawingml/2011/main" xmlns:a14="http://schemas.microsoft.com/office/drawing/2010/main" xmlns:m="http://schemas.openxmlformats.org/officeDocument/2006/math" xmlns="" val="1"/>
+              <ma14:wrappingTextBoxFlag xmlns="" xmlns:m="http://schemas.openxmlformats.org/officeDocument/2006/math" xmlns:a14="http://schemas.microsoft.com/office/drawing/2010/main" xmlns:ma14="http://schemas.microsoft.com/office/mac/drawingml/2011/main" val="1"/>
             </a:ext>
           </a:extLst>
         </p:spPr>
@@ -11027,9 +10879,7 @@
           <p:nvPr/>
         </p:nvPicPr>
         <p:blipFill>
-          <a:blip r:embed="rId3">
-            <a:extLst/>
-          </a:blip>
+          <a:blip r:embed="rId3"/>
           <a:stretch>
             <a:fillRect/>
           </a:stretch>
@@ -11301,7 +11151,7 @@
           </a:ln>
           <a:extLst>
             <a:ext uri="{C572A759-6A51-4108-AA02-DFA0A04FC94B}">
-              <ma14:wrappingTextBoxFlag xmlns:ma14="http://schemas.microsoft.com/office/mac/drawingml/2011/main" xmlns:a14="http://schemas.microsoft.com/office/drawing/2010/main" xmlns:m="http://schemas.openxmlformats.org/officeDocument/2006/math" xmlns="" val="1"/>
+              <ma14:wrappingTextBoxFlag xmlns="" xmlns:m="http://schemas.openxmlformats.org/officeDocument/2006/math" xmlns:a14="http://schemas.microsoft.com/office/drawing/2010/main" xmlns:ma14="http://schemas.microsoft.com/office/mac/drawingml/2011/main" val="1"/>
             </a:ext>
           </a:extLst>
         </p:spPr>
@@ -11816,9 +11666,7 @@
           <p:nvPr/>
         </p:nvPicPr>
         <p:blipFill>
-          <a:blip r:embed="rId2">
-            <a:extLst/>
-          </a:blip>
+          <a:blip r:embed="rId2"/>
           <a:stretch>
             <a:fillRect/>
           </a:stretch>
@@ -11891,7 +11739,7 @@
           </a:ln>
           <a:extLst>
             <a:ext uri="{C572A759-6A51-4108-AA02-DFA0A04FC94B}">
-              <ma14:wrappingTextBoxFlag xmlns:ma14="http://schemas.microsoft.com/office/mac/drawingml/2011/main" xmlns:a14="http://schemas.microsoft.com/office/drawing/2010/main" xmlns:m="http://schemas.openxmlformats.org/officeDocument/2006/math" xmlns="" val="1"/>
+              <ma14:wrappingTextBoxFlag xmlns="" xmlns:m="http://schemas.openxmlformats.org/officeDocument/2006/math" xmlns:a14="http://schemas.microsoft.com/office/drawing/2010/main" xmlns:ma14="http://schemas.microsoft.com/office/mac/drawingml/2011/main" val="1"/>
             </a:ext>
           </a:extLst>
         </p:spPr>
@@ -12002,9 +11850,7 @@
           <p:nvPr/>
         </p:nvPicPr>
         <p:blipFill>
-          <a:blip r:embed="rId2">
-            <a:extLst/>
-          </a:blip>
+          <a:blip r:embed="rId2"/>
           <a:stretch>
             <a:fillRect/>
           </a:stretch>
@@ -12031,9 +11877,7 @@
           <p:nvPr/>
         </p:nvPicPr>
         <p:blipFill>
-          <a:blip r:embed="rId3">
-            <a:extLst/>
-          </a:blip>
+          <a:blip r:embed="rId3"/>
           <a:stretch>
             <a:fillRect/>
           </a:stretch>
@@ -12060,9 +11904,7 @@
           <p:nvPr/>
         </p:nvPicPr>
         <p:blipFill>
-          <a:blip r:embed="rId4">
-            <a:extLst/>
-          </a:blip>
+          <a:blip r:embed="rId4"/>
           <a:stretch>
             <a:fillRect/>
           </a:stretch>
@@ -12089,9 +11931,7 @@
           <p:nvPr/>
         </p:nvPicPr>
         <p:blipFill>
-          <a:blip r:embed="rId5">
-            <a:extLst/>
-          </a:blip>
+          <a:blip r:embed="rId5"/>
           <a:stretch>
             <a:fillRect/>
           </a:stretch>
@@ -12118,9 +11958,7 @@
           <p:nvPr/>
         </p:nvPicPr>
         <p:blipFill>
-          <a:blip r:embed="rId6">
-            <a:extLst/>
-          </a:blip>
+          <a:blip r:embed="rId6"/>
           <a:stretch>
             <a:fillRect/>
           </a:stretch>
@@ -12174,7 +12012,7 @@
             <a:effectLst/>
             <a:extLst>
               <a:ext uri="{C572A759-6A51-4108-AA02-DFA0A04FC94B}">
-                <ma14:wrappingTextBoxFlag xmlns:ma14="http://schemas.microsoft.com/office/mac/drawingml/2011/main" xmlns:a14="http://schemas.microsoft.com/office/drawing/2010/main" xmlns:m="http://schemas.openxmlformats.org/officeDocument/2006/math" xmlns="" val="1"/>
+                <ma14:wrappingTextBoxFlag xmlns="" xmlns:m="http://schemas.openxmlformats.org/officeDocument/2006/math" xmlns:a14="http://schemas.microsoft.com/office/drawing/2010/main" xmlns:ma14="http://schemas.microsoft.com/office/mac/drawingml/2011/main" val="1"/>
               </a:ext>
             </a:extLst>
           </p:spPr>
@@ -12224,7 +12062,7 @@
             <a:effectLst/>
             <a:extLst>
               <a:ext uri="{C572A759-6A51-4108-AA02-DFA0A04FC94B}">
-                <ma14:wrappingTextBoxFlag xmlns:ma14="http://schemas.microsoft.com/office/mac/drawingml/2011/main" xmlns:a14="http://schemas.microsoft.com/office/drawing/2010/main" xmlns:m="http://schemas.openxmlformats.org/officeDocument/2006/math" xmlns="" val="1"/>
+                <ma14:wrappingTextBoxFlag xmlns="" xmlns:m="http://schemas.openxmlformats.org/officeDocument/2006/math" xmlns:a14="http://schemas.microsoft.com/office/drawing/2010/main" xmlns:ma14="http://schemas.microsoft.com/office/mac/drawingml/2011/main" val="1"/>
               </a:ext>
             </a:extLst>
           </p:spPr>
@@ -12274,7 +12112,7 @@
             <a:effectLst/>
             <a:extLst>
               <a:ext uri="{C572A759-6A51-4108-AA02-DFA0A04FC94B}">
-                <ma14:wrappingTextBoxFlag xmlns:ma14="http://schemas.microsoft.com/office/mac/drawingml/2011/main" xmlns:a14="http://schemas.microsoft.com/office/drawing/2010/main" xmlns:m="http://schemas.openxmlformats.org/officeDocument/2006/math" xmlns="" val="1"/>
+                <ma14:wrappingTextBoxFlag xmlns="" xmlns:m="http://schemas.openxmlformats.org/officeDocument/2006/math" xmlns:a14="http://schemas.microsoft.com/office/drawing/2010/main" xmlns:ma14="http://schemas.microsoft.com/office/mac/drawingml/2011/main" val="1"/>
               </a:ext>
             </a:extLst>
           </p:spPr>
@@ -12324,7 +12162,7 @@
             <a:effectLst/>
             <a:extLst>
               <a:ext uri="{C572A759-6A51-4108-AA02-DFA0A04FC94B}">
-                <ma14:wrappingTextBoxFlag xmlns:ma14="http://schemas.microsoft.com/office/mac/drawingml/2011/main" xmlns:a14="http://schemas.microsoft.com/office/drawing/2010/main" xmlns:m="http://schemas.openxmlformats.org/officeDocument/2006/math" xmlns="" val="1"/>
+                <ma14:wrappingTextBoxFlag xmlns="" xmlns:m="http://schemas.openxmlformats.org/officeDocument/2006/math" xmlns:a14="http://schemas.microsoft.com/office/drawing/2010/main" xmlns:ma14="http://schemas.microsoft.com/office/mac/drawingml/2011/main" val="1"/>
               </a:ext>
             </a:extLst>
           </p:spPr>
